--- a/PPT/第三部分 软件测试应用/11.3 回归测试+冒烟测试.pptx
+++ b/PPT/第三部分 软件测试应用/11.3 回归测试+冒烟测试.pptx
@@ -5092,14 +5092,19 @@
             <p:ph type="title"/>
           </p:nvPr>
         </p:nvSpPr>
-        <p:spPr/>
+        <p:spPr>
+          <a:xfrm>
+            <a:off x="179512" y="3068960"/>
+            <a:ext cx="8001000" cy="1216025"/>
+          </a:xfrm>
+        </p:spPr>
         <p:txBody>
           <a:bodyPr/>
           <a:lstStyle/>
           <a:p>
             <a:pPr algn="ctr"/>
             <a:r>
-              <a:rPr lang="zh-CN" altLang="en-US" b="1" smtClean="0">
+              <a:rPr lang="zh-CN" altLang="en-US" b="1" dirty="0" smtClean="0">
                 <a:latin typeface="黑体" pitchFamily="49" charset="-122"/>
                 <a:ea typeface="黑体" pitchFamily="49" charset="-122"/>
               </a:rPr>
@@ -5123,7 +5128,7 @@
           <a:bodyPr/>
           <a:lstStyle/>
           <a:p>
-            <a:endParaRPr lang="zh-CN" altLang="en-US" smtClean="0"/>
+            <a:endParaRPr lang="zh-CN" altLang="en-US" dirty="0" smtClean="0"/>
           </a:p>
         </p:txBody>
       </p:sp>
@@ -5489,10 +5494,6 @@
               </a:rPr>
               <a:t>回归测试及其它</a:t>
             </a:r>
-            <a:endParaRPr lang="zh-CN" altLang="en-US" b="1" dirty="0" smtClean="0">
-              <a:latin typeface="黑体" pitchFamily="49" charset="-122"/>
-              <a:ea typeface="黑体" pitchFamily="49" charset="-122"/>
-            </a:endParaRPr>
           </a:p>
         </p:txBody>
       </p:sp>
@@ -5526,11 +5527,7 @@
             </a:pPr>
             <a:r>
               <a:rPr lang="zh-CN" altLang="en-US" b="1" dirty="0" smtClean="0"/>
-              <a:t>冒烟</a:t>
-            </a:r>
-            <a:r>
-              <a:rPr lang="zh-CN" altLang="en-US" b="1" dirty="0" smtClean="0"/>
-              <a:t>测试</a:t>
+              <a:t>冒烟测试</a:t>
             </a:r>
             <a:endParaRPr lang="en-US" altLang="zh-CN" b="1" dirty="0" smtClean="0"/>
           </a:p>
@@ -5765,10 +5762,6 @@
               </a:rPr>
               <a:t>它</a:t>
             </a:r>
-            <a:endParaRPr lang="zh-CN" altLang="en-US" b="1" dirty="0" smtClean="0">
-              <a:latin typeface="黑体" pitchFamily="49" charset="-122"/>
-              <a:ea typeface="黑体" pitchFamily="49" charset="-122"/>
-            </a:endParaRPr>
           </a:p>
         </p:txBody>
       </p:sp>
@@ -6846,11 +6839,7 @@
             </a:pPr>
             <a:r>
               <a:rPr lang="zh-CN" altLang="en-US" b="1" dirty="0"/>
-              <a:t>指标</a:t>
-            </a:r>
-            <a:r>
-              <a:rPr lang="zh-CN" altLang="en-US" b="1" dirty="0"/>
-              <a:t>法回归</a:t>
+              <a:t>指标法回归</a:t>
             </a:r>
             <a:endParaRPr lang="en-US" altLang="zh-CN" b="1" dirty="0"/>
           </a:p>
@@ -7068,11 +7057,7 @@
             </a:pPr>
             <a:r>
               <a:rPr lang="zh-CN" altLang="en-US" b="1" dirty="0"/>
-              <a:t>只对出</a:t>
-            </a:r>
-            <a:r>
-              <a:rPr lang="zh-CN" altLang="en-US" b="1" dirty="0"/>
-              <a:t>现问题的这些功能进行验证，没有出现问题的就不进行验证</a:t>
+              <a:t>只对出现问题的这些功能进行验证，没有出现问题的就不进行验证</a:t>
             </a:r>
             <a:endParaRPr lang="en-US" altLang="zh-CN" b="1" dirty="0"/>
           </a:p>
@@ -7188,13 +7173,7 @@
               <a:rPr lang="zh-CN" altLang="en-US" sz="3600" b="1" dirty="0">
                 <a:cs typeface="+mn-cs"/>
               </a:rPr>
-              <a:t>指标法</a:t>
-            </a:r>
-            <a:r>
-              <a:rPr lang="zh-CN" altLang="en-US" sz="3600" b="1" dirty="0">
-                <a:cs typeface="+mn-cs"/>
-              </a:rPr>
-              <a:t>回归</a:t>
+              <a:t>指标法回归</a:t>
             </a:r>
             <a:endParaRPr lang="en-US" altLang="zh-CN" sz="3600" b="1" dirty="0">
               <a:cs typeface="+mn-cs"/>
@@ -7222,19 +7201,7 @@
               <a:rPr lang="zh-CN" altLang="en-US" sz="3600" b="1" dirty="0">
                 <a:cs typeface="+mn-cs"/>
               </a:rPr>
-              <a:t>自动化</a:t>
-            </a:r>
-            <a:r>
-              <a:rPr lang="zh-CN" altLang="en-US" sz="3600" b="1" dirty="0">
-                <a:cs typeface="+mn-cs"/>
-              </a:rPr>
-              <a:t>工具</a:t>
-            </a:r>
-            <a:r>
-              <a:rPr lang="zh-CN" altLang="en-US" sz="3600" b="1" dirty="0">
-                <a:cs typeface="+mn-cs"/>
-              </a:rPr>
-              <a:t>回归</a:t>
+              <a:t>自动化工具回归</a:t>
             </a:r>
             <a:endParaRPr lang="en-US" altLang="zh-CN" sz="3600" b="1" dirty="0">
               <a:cs typeface="+mn-cs"/>

--- a/PPT/第三部分 软件测试应用/11.3 回归测试+冒烟测试.pptx
+++ b/PPT/第三部分 软件测试应用/11.3 回归测试+冒烟测试.pptx
@@ -15,12 +15,12 @@
     <p:sldId id="257" r:id="rId3"/>
     <p:sldId id="285" r:id="rId4"/>
     <p:sldId id="343" r:id="rId5"/>
-    <p:sldId id="344" r:id="rId6"/>
-    <p:sldId id="345" r:id="rId7"/>
-    <p:sldId id="346" r:id="rId8"/>
-    <p:sldId id="347" r:id="rId9"/>
-    <p:sldId id="348" r:id="rId10"/>
-    <p:sldId id="316" r:id="rId11"/>
+    <p:sldId id="349" r:id="rId6"/>
+    <p:sldId id="353" r:id="rId7"/>
+    <p:sldId id="345" r:id="rId8"/>
+    <p:sldId id="350" r:id="rId9"/>
+    <p:sldId id="351" r:id="rId10"/>
+    <p:sldId id="352" r:id="rId11"/>
   </p:sldIdLst>
   <p:sldSz cx="9144000" cy="6858000" type="screen4x3"/>
   <p:notesSz cx="6858000" cy="9144000"/>
@@ -851,6 +851,96 @@
     </a:lvl9pPr>
   </p:notesStyle>
 </p:notesMaster>
+</file>
+
+<file path=ppt/notesSlides/notesSlide1.xml><?xml version="1.0" encoding="utf-8"?>
+<p:notes xmlns:a="http://schemas.openxmlformats.org/drawingml/2006/main" xmlns:r="http://schemas.openxmlformats.org/officeDocument/2006/relationships" xmlns:p="http://schemas.openxmlformats.org/presentationml/2006/main">
+  <p:cSld>
+    <p:spTree>
+      <p:nvGrpSpPr>
+        <p:cNvPr id="1" name=""/>
+        <p:cNvGrpSpPr/>
+        <p:nvPr/>
+      </p:nvGrpSpPr>
+      <p:grpSpPr>
+        <a:xfrm>
+          <a:off x="0" y="0"/>
+          <a:ext cx="0" cy="0"/>
+          <a:chOff x="0" y="0"/>
+          <a:chExt cx="0" cy="0"/>
+        </a:xfrm>
+      </p:grpSpPr>
+      <p:sp>
+        <p:nvSpPr>
+          <p:cNvPr id="2" name="幻灯片图像占位符 1"/>
+          <p:cNvSpPr>
+            <a:spLocks noGrp="1" noRot="1" noChangeAspect="1"/>
+          </p:cNvSpPr>
+          <p:nvPr>
+            <p:ph type="sldImg"/>
+          </p:nvPr>
+        </p:nvSpPr>
+        <p:spPr/>
+      </p:sp>
+      <p:sp>
+        <p:nvSpPr>
+          <p:cNvPr id="3" name="备注占位符 2"/>
+          <p:cNvSpPr>
+            <a:spLocks noGrp="1"/>
+          </p:cNvSpPr>
+          <p:nvPr>
+            <p:ph type="body" idx="1"/>
+          </p:nvPr>
+        </p:nvSpPr>
+        <p:spPr/>
+        <p:txBody>
+          <a:bodyPr/>
+          <a:lstStyle/>
+          <a:p>
+            <a:endParaRPr lang="zh-CN" altLang="en-US" dirty="0"/>
+          </a:p>
+        </p:txBody>
+      </p:sp>
+      <p:sp>
+        <p:nvSpPr>
+          <p:cNvPr id="4" name="灯片编号占位符 3"/>
+          <p:cNvSpPr>
+            <a:spLocks noGrp="1"/>
+          </p:cNvSpPr>
+          <p:nvPr>
+            <p:ph type="sldNum" sz="quarter" idx="10"/>
+          </p:nvPr>
+        </p:nvSpPr>
+        <p:spPr/>
+        <p:txBody>
+          <a:bodyPr/>
+          <a:lstStyle/>
+          <a:p>
+            <a:pPr>
+              <a:defRPr/>
+            </a:pPr>
+            <a:fld id="{CF836D35-76A8-4217-8B0C-7690A9984741}" type="slidenum">
+              <a:rPr lang="en-US" altLang="zh-CN" smtClean="0"/>
+              <a:pPr>
+                <a:defRPr/>
+              </a:pPr>
+              <a:t>1</a:t>
+            </a:fld>
+            <a:endParaRPr lang="en-US" altLang="zh-CN"/>
+          </a:p>
+        </p:txBody>
+      </p:sp>
+    </p:spTree>
+    <p:extLst>
+      <p:ext uri="{BB962C8B-B14F-4D97-AF65-F5344CB8AC3E}">
+        <p14:creationId xmlns:p14="http://schemas.microsoft.com/office/powerpoint/2010/main" val="794459599"/>
+      </p:ext>
+    </p:extLst>
+  </p:cSld>
+  <p:clrMapOvr>
+    <a:masterClrMapping/>
+  </p:clrMapOvr>
+</p:notes>
 </file>
 
 <file path=ppt/slideLayouts/slideLayout1.xml><?xml version="1.0" encoding="utf-8"?>
@@ -5084,57 +5174,7 @@
       </p:grpSpPr>
       <p:sp>
         <p:nvSpPr>
-          <p:cNvPr id="61442" name="标题 1"/>
-          <p:cNvSpPr>
-            <a:spLocks noGrp="1"/>
-          </p:cNvSpPr>
-          <p:nvPr>
-            <p:ph type="title"/>
-          </p:nvPr>
-        </p:nvSpPr>
-        <p:spPr>
-          <a:xfrm>
-            <a:off x="179512" y="3068960"/>
-            <a:ext cx="8001000" cy="1216025"/>
-          </a:xfrm>
-        </p:spPr>
-        <p:txBody>
-          <a:bodyPr/>
-          <a:lstStyle/>
-          <a:p>
-            <a:pPr algn="ctr"/>
-            <a:r>
-              <a:rPr lang="zh-CN" altLang="en-US" b="1" dirty="0" smtClean="0">
-                <a:latin typeface="黑体" pitchFamily="49" charset="-122"/>
-                <a:ea typeface="黑体" pitchFamily="49" charset="-122"/>
-              </a:rPr>
-              <a:t>谢 谢</a:t>
-            </a:r>
-          </a:p>
-        </p:txBody>
-      </p:sp>
-      <p:sp>
-        <p:nvSpPr>
-          <p:cNvPr id="61443" name="内容占位符 2"/>
-          <p:cNvSpPr>
-            <a:spLocks noGrp="1"/>
-          </p:cNvSpPr>
-          <p:nvPr>
-            <p:ph idx="1"/>
-          </p:nvPr>
-        </p:nvSpPr>
-        <p:spPr/>
-        <p:txBody>
-          <a:bodyPr/>
-          <a:lstStyle/>
-          <a:p>
-            <a:endParaRPr lang="zh-CN" altLang="en-US" dirty="0" smtClean="0"/>
-          </a:p>
-        </p:txBody>
-      </p:sp>
-      <p:sp>
-        <p:nvSpPr>
-          <p:cNvPr id="61444" name="灯片编号占位符 3"/>
+          <p:cNvPr id="67586" name="灯片编号占位符 5"/>
           <p:cNvSpPr>
             <a:spLocks noGrp="1"/>
           </p:cNvSpPr>
@@ -5276,7 +5316,7 @@
           </a:lstStyle>
           <a:p>
             <a:pPr eaLnBrk="1" hangingPunct="1"/>
-            <a:fld id="{8FE06C3E-09C7-4533-B002-A276390B2DC0}" type="slidenum">
+            <a:fld id="{6FE21D6F-0910-454E-B8C8-8372DCE47E95}" type="slidenum">
               <a:rPr lang="en-US" altLang="zh-CN" smtClean="0"/>
               <a:pPr eaLnBrk="1" hangingPunct="1"/>
               <a:t>10</a:t>
@@ -5285,19 +5325,116 @@
           </a:p>
         </p:txBody>
       </p:sp>
+      <p:sp>
+        <p:nvSpPr>
+          <p:cNvPr id="67587" name="Rectangle 2"/>
+          <p:cNvSpPr>
+            <a:spLocks noGrp="1" noChangeArrowheads="1"/>
+          </p:cNvSpPr>
+          <p:nvPr>
+            <p:ph type="title"/>
+          </p:nvPr>
+        </p:nvSpPr>
+        <p:spPr/>
+        <p:txBody>
+          <a:bodyPr/>
+          <a:lstStyle/>
+          <a:p>
+            <a:pPr eaLnBrk="1" hangingPunct="1"/>
+            <a:r>
+              <a:rPr lang="en-US" altLang="zh-CN" b="1" dirty="0" smtClean="0">
+                <a:latin typeface="黑体" pitchFamily="2" charset="-122"/>
+                <a:ea typeface="黑体" pitchFamily="2" charset="-122"/>
+              </a:rPr>
+              <a:t> </a:t>
+            </a:r>
+            <a:r>
+              <a:rPr lang="zh-CN" altLang="en-US" b="1" dirty="0" smtClean="0">
+                <a:latin typeface="黑体" pitchFamily="2" charset="-122"/>
+                <a:ea typeface="黑体" pitchFamily="2" charset="-122"/>
+              </a:rPr>
+              <a:t>回归测试</a:t>
+            </a:r>
+          </a:p>
+        </p:txBody>
+      </p:sp>
+      <p:sp>
+        <p:nvSpPr>
+          <p:cNvPr id="67588" name="Rectangle 3"/>
+          <p:cNvSpPr>
+            <a:spLocks noGrp="1" noChangeArrowheads="1"/>
+          </p:cNvSpPr>
+          <p:nvPr>
+            <p:ph type="body" idx="1"/>
+          </p:nvPr>
+        </p:nvSpPr>
+        <p:spPr/>
+        <p:txBody>
+          <a:bodyPr/>
+          <a:lstStyle/>
+          <a:p>
+            <a:pPr eaLnBrk="1" hangingPunct="1"/>
+            <a:r>
+              <a:rPr lang="zh-CN" altLang="en-US" sz="3400" b="1" smtClean="0"/>
+              <a:t>实施过程</a:t>
+            </a:r>
+            <a:endParaRPr lang="en-US" altLang="zh-CN" sz="3400" b="1" smtClean="0"/>
+          </a:p>
+          <a:p>
+            <a:pPr lvl="1"/>
+            <a:r>
+              <a:rPr lang="zh-CN" altLang="en-US" sz="2400" b="1" smtClean="0"/>
+              <a:t>识别出被测系统中被修改的部分，包括需求、设计和代码</a:t>
+            </a:r>
+          </a:p>
+          <a:p>
+            <a:pPr lvl="1"/>
+            <a:r>
+              <a:rPr lang="zh-CN" altLang="en-US" sz="2400" b="1" smtClean="0"/>
+              <a:t>围绕系统的变化，确定受到变化影响的功能、模块和代码</a:t>
+            </a:r>
+          </a:p>
+          <a:p>
+            <a:pPr lvl="1"/>
+            <a:r>
+              <a:rPr lang="zh-CN" altLang="en-US" sz="2400" b="1" smtClean="0"/>
+              <a:t>针对新增的功能、模块，补充测试用例</a:t>
+            </a:r>
+          </a:p>
+          <a:p>
+            <a:pPr lvl="1"/>
+            <a:r>
+              <a:rPr lang="zh-CN" altLang="en-US" sz="2400" b="1" smtClean="0"/>
+              <a:t>针对不再使用的功能、模块，丢弃过时的测试用例</a:t>
+            </a:r>
+          </a:p>
+          <a:p>
+            <a:pPr lvl="1"/>
+            <a:r>
+              <a:rPr lang="zh-CN" altLang="en-US" sz="2400" b="1" smtClean="0"/>
+              <a:t>针对变化的功能、模块，修改原有的测试用例，并注意进行优化，避免冗余</a:t>
+            </a:r>
+          </a:p>
+          <a:p>
+            <a:pPr lvl="1"/>
+            <a:r>
+              <a:rPr lang="zh-CN" altLang="en-US" sz="2400" b="1" smtClean="0"/>
+              <a:t>针对更新的测试用例集合对新的软件版本实施和执行测试</a:t>
+            </a:r>
+          </a:p>
+        </p:txBody>
+      </p:sp>
     </p:spTree>
+    <p:extLst>
+      <p:ext uri="{BB962C8B-B14F-4D97-AF65-F5344CB8AC3E}">
+        <p14:creationId xmlns:p14="http://schemas.microsoft.com/office/powerpoint/2010/main" val="3425795099"/>
+      </p:ext>
+    </p:extLst>
   </p:cSld>
   <p:clrMapOvr>
     <a:masterClrMapping/>
   </p:clrMapOvr>
   <p:transition/>
-  <p:timing>
-    <p:tnLst>
-      <p:par>
-        <p:cTn id="1" dur="indefinite" restart="never" nodeType="tmRoot"/>
-      </p:par>
-    </p:tnLst>
-  </p:timing>
 </p:sld>
 </file>
 
@@ -5987,11 +6124,164 @@
       </p:grpSpPr>
       <p:sp>
         <p:nvSpPr>
-          <p:cNvPr id="2" name="标题 1"/>
+          <p:cNvPr id="64514" name="灯片编号占位符 5"/>
           <p:cNvSpPr>
             <a:spLocks noGrp="1"/>
           </p:cNvSpPr>
           <p:nvPr>
+            <p:ph type="sldNum" sz="quarter" idx="12"/>
+          </p:nvPr>
+        </p:nvSpPr>
+        <p:spPr>
+          <a:noFill/>
+          <a:ln/>
+          <a:extLst>
+            <a:ext uri="{909E8E84-426E-40DD-AFC4-6F175D3DCCD1}">
+              <a14:hiddenFill xmlns:a14="http://schemas.microsoft.com/office/drawing/2010/main">
+                <a:solidFill>
+                  <a:srgbClr val="FFFFFF"/>
+                </a:solidFill>
+              </a14:hiddenFill>
+            </a:ext>
+            <a:ext uri="{91240B29-F687-4F45-9708-019B960494DF}">
+              <a14:hiddenLine xmlns:a14="http://schemas.microsoft.com/office/drawing/2010/main" w="9525">
+                <a:solidFill>
+                  <a:srgbClr val="000000"/>
+                </a:solidFill>
+                <a:miter lim="800000"/>
+                <a:headEnd/>
+                <a:tailEnd/>
+              </a14:hiddenLine>
+            </a:ext>
+          </a:extLst>
+        </p:spPr>
+        <p:txBody>
+          <a:bodyPr/>
+          <a:lstStyle>
+            <a:lvl1pPr eaLnBrk="0" hangingPunct="0">
+              <a:defRPr>
+                <a:solidFill>
+                  <a:schemeClr val="tx1"/>
+                </a:solidFill>
+                <a:latin typeface="Verdana" pitchFamily="34" charset="0"/>
+                <a:ea typeface="宋体" pitchFamily="2" charset="-122"/>
+              </a:defRPr>
+            </a:lvl1pPr>
+            <a:lvl2pPr marL="742950" indent="-285750" eaLnBrk="0" hangingPunct="0">
+              <a:defRPr>
+                <a:solidFill>
+                  <a:schemeClr val="tx1"/>
+                </a:solidFill>
+                <a:latin typeface="Verdana" pitchFamily="34" charset="0"/>
+                <a:ea typeface="宋体" pitchFamily="2" charset="-122"/>
+              </a:defRPr>
+            </a:lvl2pPr>
+            <a:lvl3pPr marL="1143000" indent="-228600" eaLnBrk="0" hangingPunct="0">
+              <a:defRPr>
+                <a:solidFill>
+                  <a:schemeClr val="tx1"/>
+                </a:solidFill>
+                <a:latin typeface="Verdana" pitchFamily="34" charset="0"/>
+                <a:ea typeface="宋体" pitchFamily="2" charset="-122"/>
+              </a:defRPr>
+            </a:lvl3pPr>
+            <a:lvl4pPr marL="1600200" indent="-228600" eaLnBrk="0" hangingPunct="0">
+              <a:defRPr>
+                <a:solidFill>
+                  <a:schemeClr val="tx1"/>
+                </a:solidFill>
+                <a:latin typeface="Verdana" pitchFamily="34" charset="0"/>
+                <a:ea typeface="宋体" pitchFamily="2" charset="-122"/>
+              </a:defRPr>
+            </a:lvl4pPr>
+            <a:lvl5pPr marL="2057400" indent="-228600" eaLnBrk="0" hangingPunct="0">
+              <a:defRPr>
+                <a:solidFill>
+                  <a:schemeClr val="tx1"/>
+                </a:solidFill>
+                <a:latin typeface="Verdana" pitchFamily="34" charset="0"/>
+                <a:ea typeface="宋体" pitchFamily="2" charset="-122"/>
+              </a:defRPr>
+            </a:lvl5pPr>
+            <a:lvl6pPr marL="2514600" indent="-228600" eaLnBrk="0" fontAlgn="base" hangingPunct="0">
+              <a:spcBef>
+                <a:spcPct val="0"/>
+              </a:spcBef>
+              <a:spcAft>
+                <a:spcPct val="0"/>
+              </a:spcAft>
+              <a:defRPr>
+                <a:solidFill>
+                  <a:schemeClr val="tx1"/>
+                </a:solidFill>
+                <a:latin typeface="Verdana" pitchFamily="34" charset="0"/>
+                <a:ea typeface="宋体" pitchFamily="2" charset="-122"/>
+              </a:defRPr>
+            </a:lvl6pPr>
+            <a:lvl7pPr marL="2971800" indent="-228600" eaLnBrk="0" fontAlgn="base" hangingPunct="0">
+              <a:spcBef>
+                <a:spcPct val="0"/>
+              </a:spcBef>
+              <a:spcAft>
+                <a:spcPct val="0"/>
+              </a:spcAft>
+              <a:defRPr>
+                <a:solidFill>
+                  <a:schemeClr val="tx1"/>
+                </a:solidFill>
+                <a:latin typeface="Verdana" pitchFamily="34" charset="0"/>
+                <a:ea typeface="宋体" pitchFamily="2" charset="-122"/>
+              </a:defRPr>
+            </a:lvl7pPr>
+            <a:lvl8pPr marL="3429000" indent="-228600" eaLnBrk="0" fontAlgn="base" hangingPunct="0">
+              <a:spcBef>
+                <a:spcPct val="0"/>
+              </a:spcBef>
+              <a:spcAft>
+                <a:spcPct val="0"/>
+              </a:spcAft>
+              <a:defRPr>
+                <a:solidFill>
+                  <a:schemeClr val="tx1"/>
+                </a:solidFill>
+                <a:latin typeface="Verdana" pitchFamily="34" charset="0"/>
+                <a:ea typeface="宋体" pitchFamily="2" charset="-122"/>
+              </a:defRPr>
+            </a:lvl8pPr>
+            <a:lvl9pPr marL="3886200" indent="-228600" eaLnBrk="0" fontAlgn="base" hangingPunct="0">
+              <a:spcBef>
+                <a:spcPct val="0"/>
+              </a:spcBef>
+              <a:spcAft>
+                <a:spcPct val="0"/>
+              </a:spcAft>
+              <a:defRPr>
+                <a:solidFill>
+                  <a:schemeClr val="tx1"/>
+                </a:solidFill>
+                <a:latin typeface="Verdana" pitchFamily="34" charset="0"/>
+                <a:ea typeface="宋体" pitchFamily="2" charset="-122"/>
+              </a:defRPr>
+            </a:lvl9pPr>
+          </a:lstStyle>
+          <a:p>
+            <a:pPr eaLnBrk="1" hangingPunct="1"/>
+            <a:fld id="{79171574-673D-40A7-9D68-C8233719713C}" type="slidenum">
+              <a:rPr lang="en-US" altLang="zh-CN" smtClean="0"/>
+              <a:pPr eaLnBrk="1" hangingPunct="1"/>
+              <a:t>5</a:t>
+            </a:fld>
+            <a:endParaRPr lang="en-US" altLang="zh-CN" smtClean="0"/>
+          </a:p>
+        </p:txBody>
+      </p:sp>
+      <p:sp>
+        <p:nvSpPr>
+          <p:cNvPr id="64515" name="Rectangle 2"/>
+          <p:cNvSpPr>
+            <a:spLocks noGrp="1" noChangeArrowheads="1"/>
+          </p:cNvSpPr>
+          <p:nvPr>
             <p:ph type="title"/>
           </p:nvPr>
         </p:nvSpPr>
@@ -6000,22 +6290,27 @@
           <a:bodyPr/>
           <a:lstStyle/>
           <a:p>
-            <a:pPr eaLnBrk="1" hangingPunct="1">
-              <a:defRPr/>
-            </a:pPr>
+            <a:pPr eaLnBrk="1" hangingPunct="1"/>
+            <a:r>
+              <a:rPr lang="zh-CN" altLang="en-US" b="1" dirty="0" smtClean="0">
+                <a:latin typeface="黑体" pitchFamily="2" charset="-122"/>
+                <a:ea typeface="黑体" pitchFamily="2" charset="-122"/>
+              </a:rPr>
+              <a:t>回归测试</a:t>
+            </a:r>
             <a:r>
               <a:rPr lang="zh-CN" altLang="en-US" b="1" dirty="0">
                 <a:latin typeface="黑体" pitchFamily="49" charset="-122"/>
                 <a:ea typeface="黑体" pitchFamily="49" charset="-122"/>
               </a:rPr>
-              <a:t>随机测试（</a:t>
+              <a:t>（</a:t>
             </a:r>
             <a:r>
               <a:rPr lang="en-US" altLang="zh-CN" b="1" dirty="0">
                 <a:latin typeface="黑体" pitchFamily="49" charset="-122"/>
                 <a:ea typeface="黑体" pitchFamily="49" charset="-122"/>
               </a:rPr>
-              <a:t>Random Testing</a:t>
+              <a:t>Regression Testing</a:t>
             </a:r>
             <a:r>
               <a:rPr lang="zh-CN" altLang="en-US" b="1" dirty="0">
@@ -6024,17 +6319,21 @@
               </a:rPr>
               <a:t>）</a:t>
             </a:r>
-          </a:p>
-        </p:txBody>
-      </p:sp>
-      <p:sp>
-        <p:nvSpPr>
-          <p:cNvPr id="3" name="内容占位符 2"/>
-          <p:cNvSpPr>
-            <a:spLocks noGrp="1"/>
-          </p:cNvSpPr>
-          <p:nvPr>
-            <p:ph idx="1"/>
+            <a:endParaRPr lang="zh-CN" altLang="en-US" b="1" dirty="0" smtClean="0">
+              <a:latin typeface="黑体" pitchFamily="2" charset="-122"/>
+              <a:ea typeface="黑体" pitchFamily="2" charset="-122"/>
+            </a:endParaRPr>
+          </a:p>
+        </p:txBody>
+      </p:sp>
+      <p:sp>
+        <p:nvSpPr>
+          <p:cNvPr id="64516" name="Rectangle 3"/>
+          <p:cNvSpPr>
+            <a:spLocks noGrp="1" noChangeArrowheads="1"/>
+          </p:cNvSpPr>
+          <p:nvPr>
+            <p:ph type="body" idx="1"/>
           </p:nvPr>
         </p:nvSpPr>
         <p:spPr/>
@@ -6042,58 +6341,38 @@
           <a:bodyPr/>
           <a:lstStyle/>
           <a:p>
-            <a:pPr marL="0" indent="0">
-              <a:buNone/>
-            </a:pPr>
-            <a:r>
-              <a:rPr lang="zh-CN" altLang="en-US" sz="3600" b="1" dirty="0"/>
-              <a:t>是指测试中所有的输入数据都是随机生成的，其目的是模拟用户的真实操作，发现一些边缘性的错误。</a:t>
-            </a:r>
-          </a:p>
-        </p:txBody>
-      </p:sp>
-      <p:sp>
-        <p:nvSpPr>
-          <p:cNvPr id="4" name="灯片编号占位符 3"/>
-          <p:cNvSpPr>
-            <a:spLocks noGrp="1"/>
-          </p:cNvSpPr>
-          <p:nvPr>
-            <p:ph type="sldNum" sz="quarter" idx="12"/>
-          </p:nvPr>
-        </p:nvSpPr>
-        <p:spPr/>
-        <p:txBody>
-          <a:bodyPr/>
-          <a:lstStyle/>
-          <a:p>
-            <a:pPr>
-              <a:defRPr/>
-            </a:pPr>
-            <a:fld id="{CB6A985E-BE02-4E5A-8B89-C24F6CB4E833}" type="slidenum">
-              <a:rPr lang="en-US" altLang="zh-CN" smtClean="0"/>
-              <a:pPr>
-                <a:defRPr/>
-              </a:pPr>
-              <a:t>5</a:t>
-            </a:fld>
-            <a:endParaRPr lang="en-US" altLang="zh-CN"/>
+            <a:pPr eaLnBrk="1" hangingPunct="1"/>
+            <a:r>
+              <a:rPr lang="zh-CN" sz="3400" b="1" dirty="0" smtClean="0"/>
+              <a:t>回归测试是</a:t>
+            </a:r>
+            <a:r>
+              <a:rPr lang="zh-CN" sz="3400" b="1" dirty="0" smtClean="0">
+                <a:solidFill>
+                  <a:srgbClr val="FF0000"/>
+                </a:solidFill>
+              </a:rPr>
+              <a:t>贯穿在整个测试各个阶段的一个测试活动</a:t>
+            </a:r>
+            <a:r>
+              <a:rPr lang="zh-CN" sz="3400" b="1" dirty="0" smtClean="0"/>
+              <a:t>，主要是对修改过的软件重新进行测试，以保证验证修改的正确性及其影响</a:t>
+            </a:r>
+            <a:endParaRPr lang="zh-CN" altLang="en-US" sz="3400" b="1" dirty="0" smtClean="0"/>
           </a:p>
         </p:txBody>
       </p:sp>
     </p:spTree>
     <p:extLst>
       <p:ext uri="{BB962C8B-B14F-4D97-AF65-F5344CB8AC3E}">
-        <p14:creationId xmlns:p14="http://schemas.microsoft.com/office/powerpoint/2010/main" val="2507255356"/>
+        <p14:creationId xmlns:p14="http://schemas.microsoft.com/office/powerpoint/2010/main" val="1671698657"/>
       </p:ext>
     </p:extLst>
   </p:cSld>
   <p:clrMapOvr>
     <a:masterClrMapping/>
   </p:clrMapOvr>
-  <p:transition>
-    <p:blinds dir="vert"/>
-  </p:transition>
+  <p:transition/>
 </p:sld>
 </file>
 
@@ -6129,19 +6408,22 @@
           <a:bodyPr/>
           <a:lstStyle/>
           <a:p>
+            <a:pPr eaLnBrk="1" hangingPunct="1">
+              <a:defRPr/>
+            </a:pPr>
             <a:r>
               <a:rPr lang="zh-CN" altLang="en-US" b="1" dirty="0">
                 <a:latin typeface="黑体" pitchFamily="49" charset="-122"/>
                 <a:ea typeface="黑体" pitchFamily="49" charset="-122"/>
               </a:rPr>
-              <a:t>回归测试（</a:t>
+              <a:t>随机测试（</a:t>
             </a:r>
             <a:r>
               <a:rPr lang="en-US" altLang="zh-CN" b="1" dirty="0">
                 <a:latin typeface="黑体" pitchFamily="49" charset="-122"/>
                 <a:ea typeface="黑体" pitchFamily="49" charset="-122"/>
               </a:rPr>
-              <a:t>Regression Testing</a:t>
+              <a:t>Random Testing</a:t>
             </a:r>
             <a:r>
               <a:rPr lang="zh-CN" altLang="en-US" b="1" dirty="0">
@@ -6173,35 +6455,8 @@
             </a:pPr>
             <a:r>
               <a:rPr lang="zh-CN" altLang="en-US" sz="3600" b="1" dirty="0"/>
-              <a:t>是指对软件的</a:t>
-            </a:r>
-            <a:r>
-              <a:rPr lang="zh-CN" altLang="en-US" sz="3600" b="1" dirty="0" smtClean="0">
-                <a:solidFill>
-                  <a:srgbClr val="FF0000"/>
-                </a:solidFill>
-              </a:rPr>
-              <a:t>新版本</a:t>
-            </a:r>
-            <a:r>
-              <a:rPr lang="zh-CN" altLang="en-US" sz="3600" b="1" dirty="0"/>
-              <a:t>测试时，重复执行上一个版本时的</a:t>
-            </a:r>
-            <a:r>
-              <a:rPr lang="zh-CN" altLang="en-US" sz="3600" b="1" dirty="0" smtClean="0"/>
-              <a:t>测试用例，</a:t>
-            </a:r>
-            <a:r>
-              <a:rPr lang="zh-CN" altLang="en-US" sz="3600" b="1" dirty="0"/>
-              <a:t>不仅是验证被修复的软件缺陷是否被解决了，且要保证以前所有运行正常的功能依旧保持正常，而不要受到这次修改的影响。</a:t>
-            </a:r>
-            <a:endParaRPr lang="en-US" altLang="zh-CN" sz="3600" b="1" dirty="0"/>
-          </a:p>
-          <a:p>
-            <a:pPr marL="0" indent="0">
-              <a:buNone/>
-            </a:pPr>
-            <a:endParaRPr lang="en-US" altLang="zh-CN" sz="3600" b="1" dirty="0" smtClean="0"/>
+              <a:t>是指测试中所有的输入数据都是随机生成的，其目的是模拟用户的真实操作，发现一些边缘性的错误。</a:t>
+            </a:r>
           </a:p>
         </p:txBody>
       </p:sp>
@@ -6229,6 +6484,159 @@
                 <a:defRPr/>
               </a:pPr>
               <a:t>6</a:t>
+            </a:fld>
+            <a:endParaRPr lang="en-US" altLang="zh-CN"/>
+          </a:p>
+        </p:txBody>
+      </p:sp>
+    </p:spTree>
+    <p:extLst>
+      <p:ext uri="{BB962C8B-B14F-4D97-AF65-F5344CB8AC3E}">
+        <p14:creationId xmlns:p14="http://schemas.microsoft.com/office/powerpoint/2010/main" val="2489817545"/>
+      </p:ext>
+    </p:extLst>
+  </p:cSld>
+  <p:clrMapOvr>
+    <a:masterClrMapping/>
+  </p:clrMapOvr>
+  <p:transition>
+    <p:blinds dir="vert"/>
+  </p:transition>
+</p:sld>
+</file>
+
+<file path=ppt/slides/slide7.xml><?xml version="1.0" encoding="utf-8"?>
+<p:sld xmlns:a="http://schemas.openxmlformats.org/drawingml/2006/main" xmlns:r="http://schemas.openxmlformats.org/officeDocument/2006/relationships" xmlns:p="http://schemas.openxmlformats.org/presentationml/2006/main">
+  <p:cSld>
+    <p:spTree>
+      <p:nvGrpSpPr>
+        <p:cNvPr id="1" name=""/>
+        <p:cNvGrpSpPr/>
+        <p:nvPr/>
+      </p:nvGrpSpPr>
+      <p:grpSpPr>
+        <a:xfrm>
+          <a:off x="0" y="0"/>
+          <a:ext cx="0" cy="0"/>
+          <a:chOff x="0" y="0"/>
+          <a:chExt cx="0" cy="0"/>
+        </a:xfrm>
+      </p:grpSpPr>
+      <p:sp>
+        <p:nvSpPr>
+          <p:cNvPr id="2" name="标题 1"/>
+          <p:cNvSpPr>
+            <a:spLocks noGrp="1"/>
+          </p:cNvSpPr>
+          <p:nvPr>
+            <p:ph type="title"/>
+          </p:nvPr>
+        </p:nvSpPr>
+        <p:spPr/>
+        <p:txBody>
+          <a:bodyPr/>
+          <a:lstStyle/>
+          <a:p>
+            <a:r>
+              <a:rPr lang="zh-CN" altLang="en-US" b="1" dirty="0">
+                <a:latin typeface="黑体" pitchFamily="49" charset="-122"/>
+                <a:ea typeface="黑体" pitchFamily="49" charset="-122"/>
+              </a:rPr>
+              <a:t>回归测试（</a:t>
+            </a:r>
+            <a:r>
+              <a:rPr lang="en-US" altLang="zh-CN" b="1" dirty="0">
+                <a:latin typeface="黑体" pitchFamily="49" charset="-122"/>
+                <a:ea typeface="黑体" pitchFamily="49" charset="-122"/>
+              </a:rPr>
+              <a:t>Regression Testing</a:t>
+            </a:r>
+            <a:r>
+              <a:rPr lang="zh-CN" altLang="en-US" b="1" dirty="0">
+                <a:latin typeface="黑体" pitchFamily="49" charset="-122"/>
+                <a:ea typeface="黑体" pitchFamily="49" charset="-122"/>
+              </a:rPr>
+              <a:t>）</a:t>
+            </a:r>
+          </a:p>
+        </p:txBody>
+      </p:sp>
+      <p:sp>
+        <p:nvSpPr>
+          <p:cNvPr id="3" name="内容占位符 2"/>
+          <p:cNvSpPr>
+            <a:spLocks noGrp="1"/>
+          </p:cNvSpPr>
+          <p:nvPr>
+            <p:ph idx="1"/>
+          </p:nvPr>
+        </p:nvSpPr>
+        <p:spPr/>
+        <p:txBody>
+          <a:bodyPr/>
+          <a:lstStyle/>
+          <a:p>
+            <a:pPr marL="0" indent="0">
+              <a:buNone/>
+            </a:pPr>
+            <a:r>
+              <a:rPr lang="zh-CN" altLang="en-US" sz="3600" b="1" dirty="0"/>
+              <a:t>是指对软件的</a:t>
+            </a:r>
+            <a:r>
+              <a:rPr lang="zh-CN" altLang="en-US" sz="3600" b="1" dirty="0" smtClean="0">
+                <a:solidFill>
+                  <a:srgbClr val="FF0000"/>
+                </a:solidFill>
+              </a:rPr>
+              <a:t>新版本</a:t>
+            </a:r>
+            <a:r>
+              <a:rPr lang="zh-CN" altLang="en-US" sz="3600" b="1" dirty="0"/>
+              <a:t>测试时，重复执行上一个版本时的</a:t>
+            </a:r>
+            <a:r>
+              <a:rPr lang="zh-CN" altLang="en-US" sz="3600" b="1" dirty="0" smtClean="0"/>
+              <a:t>测试用例，</a:t>
+            </a:r>
+            <a:r>
+              <a:rPr lang="zh-CN" altLang="en-US" sz="3600" b="1" dirty="0"/>
+              <a:t>不仅是验证被修复的软件缺陷是否被解决了，且要保证以前所有运行正常的功能依旧保持正常，而不要受到这次修改的影响。</a:t>
+            </a:r>
+            <a:endParaRPr lang="en-US" altLang="zh-CN" sz="3600" b="1" dirty="0"/>
+          </a:p>
+          <a:p>
+            <a:pPr marL="0" indent="0">
+              <a:buNone/>
+            </a:pPr>
+            <a:endParaRPr lang="en-US" altLang="zh-CN" sz="3600" b="1" dirty="0" smtClean="0"/>
+          </a:p>
+        </p:txBody>
+      </p:sp>
+      <p:sp>
+        <p:nvSpPr>
+          <p:cNvPr id="4" name="灯片编号占位符 3"/>
+          <p:cNvSpPr>
+            <a:spLocks noGrp="1"/>
+          </p:cNvSpPr>
+          <p:nvPr>
+            <p:ph type="sldNum" sz="quarter" idx="12"/>
+          </p:nvPr>
+        </p:nvSpPr>
+        <p:spPr/>
+        <p:txBody>
+          <a:bodyPr/>
+          <a:lstStyle/>
+          <a:p>
+            <a:pPr>
+              <a:defRPr/>
+            </a:pPr>
+            <a:fld id="{CB6A985E-BE02-4E5A-8B89-C24F6CB4E833}" type="slidenum">
+              <a:rPr lang="en-US" altLang="zh-CN" smtClean="0"/>
+              <a:pPr>
+                <a:defRPr/>
+              </a:pPr>
+              <a:t>7</a:t>
             </a:fld>
             <a:endParaRPr lang="en-US" altLang="zh-CN"/>
           </a:p>
@@ -6754,199 +7162,6 @@
 </p:sld>
 </file>
 
-<file path=ppt/slides/slide7.xml><?xml version="1.0" encoding="utf-8"?>
-<p:sld xmlns:a="http://schemas.openxmlformats.org/drawingml/2006/main" xmlns:r="http://schemas.openxmlformats.org/officeDocument/2006/relationships" xmlns:p="http://schemas.openxmlformats.org/presentationml/2006/main">
-  <p:cSld>
-    <p:spTree>
-      <p:nvGrpSpPr>
-        <p:cNvPr id="1" name=""/>
-        <p:cNvGrpSpPr/>
-        <p:nvPr/>
-      </p:nvGrpSpPr>
-      <p:grpSpPr>
-        <a:xfrm>
-          <a:off x="0" y="0"/>
-          <a:ext cx="0" cy="0"/>
-          <a:chOff x="0" y="0"/>
-          <a:chExt cx="0" cy="0"/>
-        </a:xfrm>
-      </p:grpSpPr>
-      <p:sp>
-        <p:nvSpPr>
-          <p:cNvPr id="3" name="内容占位符 2"/>
-          <p:cNvSpPr>
-            <a:spLocks noGrp="1"/>
-          </p:cNvSpPr>
-          <p:nvPr>
-            <p:ph idx="1"/>
-          </p:nvPr>
-        </p:nvSpPr>
-        <p:spPr/>
-        <p:txBody>
-          <a:bodyPr/>
-          <a:lstStyle/>
-          <a:p>
-            <a:pPr marL="469900" lvl="1" indent="-469900" eaLnBrk="1" hangingPunct="1">
-              <a:lnSpc>
-                <a:spcPct val="150000"/>
-              </a:lnSpc>
-              <a:buFont typeface="Wingdings" pitchFamily="2" charset="2"/>
-              <a:buChar char="o"/>
-              <a:defRPr/>
-            </a:pPr>
-            <a:r>
-              <a:rPr lang="zh-CN" altLang="en-US" sz="3400" b="1" dirty="0">
-                <a:cs typeface="+mn-cs"/>
-              </a:rPr>
-              <a:t>回归测试的策略</a:t>
-            </a:r>
-            <a:endParaRPr lang="en-US" altLang="zh-CN" sz="3400" b="1" dirty="0">
-              <a:cs typeface="+mn-cs"/>
-            </a:endParaRPr>
-          </a:p>
-          <a:p>
-            <a:pPr lvl="1" eaLnBrk="1" hangingPunct="1">
-              <a:lnSpc>
-                <a:spcPct val="150000"/>
-              </a:lnSpc>
-              <a:defRPr/>
-            </a:pPr>
-            <a:r>
-              <a:rPr lang="zh-CN" altLang="en-US" b="1" dirty="0"/>
-              <a:t>全面回归测试</a:t>
-            </a:r>
-            <a:endParaRPr lang="en-US" altLang="zh-CN" b="1" dirty="0"/>
-          </a:p>
-          <a:p>
-            <a:pPr lvl="1" eaLnBrk="1" hangingPunct="1">
-              <a:lnSpc>
-                <a:spcPct val="150000"/>
-              </a:lnSpc>
-              <a:defRPr/>
-            </a:pPr>
-            <a:r>
-              <a:rPr lang="zh-CN" altLang="en-US" b="1" dirty="0"/>
-              <a:t>选择性回归</a:t>
-            </a:r>
-            <a:endParaRPr lang="en-US" altLang="zh-CN" b="1" dirty="0"/>
-          </a:p>
-          <a:p>
-            <a:pPr lvl="1" eaLnBrk="1" hangingPunct="1">
-              <a:lnSpc>
-                <a:spcPct val="150000"/>
-              </a:lnSpc>
-              <a:defRPr/>
-            </a:pPr>
-            <a:r>
-              <a:rPr lang="zh-CN" altLang="en-US" b="1" dirty="0"/>
-              <a:t>指标法回归</a:t>
-            </a:r>
-            <a:endParaRPr lang="en-US" altLang="zh-CN" b="1" dirty="0"/>
-          </a:p>
-          <a:p>
-            <a:pPr lvl="1" eaLnBrk="1" hangingPunct="1">
-              <a:lnSpc>
-                <a:spcPct val="150000"/>
-              </a:lnSpc>
-              <a:defRPr/>
-            </a:pPr>
-            <a:r>
-              <a:rPr lang="zh-CN" altLang="en-US" b="1" dirty="0"/>
-              <a:t>自动化工具回归</a:t>
-            </a:r>
-            <a:endParaRPr lang="en-US" altLang="zh-CN" b="1" dirty="0"/>
-          </a:p>
-        </p:txBody>
-      </p:sp>
-      <p:sp>
-        <p:nvSpPr>
-          <p:cNvPr id="4" name="灯片编号占位符 3"/>
-          <p:cNvSpPr>
-            <a:spLocks noGrp="1"/>
-          </p:cNvSpPr>
-          <p:nvPr>
-            <p:ph type="sldNum" sz="quarter" idx="12"/>
-          </p:nvPr>
-        </p:nvSpPr>
-        <p:spPr/>
-        <p:txBody>
-          <a:bodyPr/>
-          <a:lstStyle/>
-          <a:p>
-            <a:pPr>
-              <a:defRPr/>
-            </a:pPr>
-            <a:fld id="{CB6A985E-BE02-4E5A-8B89-C24F6CB4E833}" type="slidenum">
-              <a:rPr lang="en-US" altLang="zh-CN" smtClean="0"/>
-              <a:pPr>
-                <a:defRPr/>
-              </a:pPr>
-              <a:t>7</a:t>
-            </a:fld>
-            <a:endParaRPr lang="en-US" altLang="zh-CN"/>
-          </a:p>
-        </p:txBody>
-      </p:sp>
-      <p:sp>
-        <p:nvSpPr>
-          <p:cNvPr id="5" name="标题 1"/>
-          <p:cNvSpPr>
-            <a:spLocks noGrp="1"/>
-          </p:cNvSpPr>
-          <p:nvPr>
-            <p:ph type="title"/>
-          </p:nvPr>
-        </p:nvSpPr>
-        <p:spPr>
-          <a:xfrm>
-            <a:off x="574675" y="304800"/>
-            <a:ext cx="8001000" cy="1216025"/>
-          </a:xfrm>
-        </p:spPr>
-        <p:txBody>
-          <a:bodyPr/>
-          <a:lstStyle/>
-          <a:p>
-            <a:r>
-              <a:rPr lang="zh-CN" altLang="en-US" b="1" dirty="0">
-                <a:latin typeface="黑体" pitchFamily="49" charset="-122"/>
-                <a:ea typeface="黑体" pitchFamily="49" charset="-122"/>
-              </a:rPr>
-              <a:t>回归测试（</a:t>
-            </a:r>
-            <a:r>
-              <a:rPr lang="en-US" altLang="zh-CN" b="1" dirty="0">
-                <a:latin typeface="黑体" pitchFamily="49" charset="-122"/>
-                <a:ea typeface="黑体" pitchFamily="49" charset="-122"/>
-              </a:rPr>
-              <a:t>Regression Testing</a:t>
-            </a:r>
-            <a:r>
-              <a:rPr lang="zh-CN" altLang="en-US" b="1" dirty="0">
-                <a:latin typeface="黑体" pitchFamily="49" charset="-122"/>
-                <a:ea typeface="黑体" pitchFamily="49" charset="-122"/>
-              </a:rPr>
-              <a:t>）</a:t>
-            </a:r>
-          </a:p>
-        </p:txBody>
-      </p:sp>
-    </p:spTree>
-    <p:extLst>
-      <p:ext uri="{BB962C8B-B14F-4D97-AF65-F5344CB8AC3E}">
-        <p14:creationId xmlns:p14="http://schemas.microsoft.com/office/powerpoint/2010/main" val="1225387904"/>
-      </p:ext>
-    </p:extLst>
-  </p:cSld>
-  <p:clrMapOvr>
-    <a:masterClrMapping/>
-  </p:clrMapOvr>
-  <p:transition>
-    <p:blinds dir="vert"/>
-  </p:transition>
-</p:sld>
-</file>
-
 <file path=ppt/slides/slide8.xml><?xml version="1.0" encoding="utf-8"?>
 <p:sld xmlns:a="http://schemas.openxmlformats.org/drawingml/2006/main" xmlns:r="http://schemas.openxmlformats.org/officeDocument/2006/relationships" xmlns:p="http://schemas.openxmlformats.org/presentationml/2006/main">
   <p:cSld>
@@ -6966,11 +7181,164 @@
       </p:grpSpPr>
       <p:sp>
         <p:nvSpPr>
-          <p:cNvPr id="2" name="标题 1"/>
+          <p:cNvPr id="65538" name="灯片编号占位符 5"/>
           <p:cNvSpPr>
             <a:spLocks noGrp="1"/>
           </p:cNvSpPr>
           <p:nvPr>
+            <p:ph type="sldNum" sz="quarter" idx="12"/>
+          </p:nvPr>
+        </p:nvSpPr>
+        <p:spPr>
+          <a:noFill/>
+          <a:ln/>
+          <a:extLst>
+            <a:ext uri="{909E8E84-426E-40DD-AFC4-6F175D3DCCD1}">
+              <a14:hiddenFill xmlns:a14="http://schemas.microsoft.com/office/drawing/2010/main">
+                <a:solidFill>
+                  <a:srgbClr val="FFFFFF"/>
+                </a:solidFill>
+              </a14:hiddenFill>
+            </a:ext>
+            <a:ext uri="{91240B29-F687-4F45-9708-019B960494DF}">
+              <a14:hiddenLine xmlns:a14="http://schemas.microsoft.com/office/drawing/2010/main" w="9525">
+                <a:solidFill>
+                  <a:srgbClr val="000000"/>
+                </a:solidFill>
+                <a:miter lim="800000"/>
+                <a:headEnd/>
+                <a:tailEnd/>
+              </a14:hiddenLine>
+            </a:ext>
+          </a:extLst>
+        </p:spPr>
+        <p:txBody>
+          <a:bodyPr/>
+          <a:lstStyle>
+            <a:lvl1pPr eaLnBrk="0" hangingPunct="0">
+              <a:defRPr>
+                <a:solidFill>
+                  <a:schemeClr val="tx1"/>
+                </a:solidFill>
+                <a:latin typeface="Verdana" pitchFamily="34" charset="0"/>
+                <a:ea typeface="宋体" pitchFamily="2" charset="-122"/>
+              </a:defRPr>
+            </a:lvl1pPr>
+            <a:lvl2pPr marL="742950" indent="-285750" eaLnBrk="0" hangingPunct="0">
+              <a:defRPr>
+                <a:solidFill>
+                  <a:schemeClr val="tx1"/>
+                </a:solidFill>
+                <a:latin typeface="Verdana" pitchFamily="34" charset="0"/>
+                <a:ea typeface="宋体" pitchFamily="2" charset="-122"/>
+              </a:defRPr>
+            </a:lvl2pPr>
+            <a:lvl3pPr marL="1143000" indent="-228600" eaLnBrk="0" hangingPunct="0">
+              <a:defRPr>
+                <a:solidFill>
+                  <a:schemeClr val="tx1"/>
+                </a:solidFill>
+                <a:latin typeface="Verdana" pitchFamily="34" charset="0"/>
+                <a:ea typeface="宋体" pitchFamily="2" charset="-122"/>
+              </a:defRPr>
+            </a:lvl3pPr>
+            <a:lvl4pPr marL="1600200" indent="-228600" eaLnBrk="0" hangingPunct="0">
+              <a:defRPr>
+                <a:solidFill>
+                  <a:schemeClr val="tx1"/>
+                </a:solidFill>
+                <a:latin typeface="Verdana" pitchFamily="34" charset="0"/>
+                <a:ea typeface="宋体" pitchFamily="2" charset="-122"/>
+              </a:defRPr>
+            </a:lvl4pPr>
+            <a:lvl5pPr marL="2057400" indent="-228600" eaLnBrk="0" hangingPunct="0">
+              <a:defRPr>
+                <a:solidFill>
+                  <a:schemeClr val="tx1"/>
+                </a:solidFill>
+                <a:latin typeface="Verdana" pitchFamily="34" charset="0"/>
+                <a:ea typeface="宋体" pitchFamily="2" charset="-122"/>
+              </a:defRPr>
+            </a:lvl5pPr>
+            <a:lvl6pPr marL="2514600" indent="-228600" eaLnBrk="0" fontAlgn="base" hangingPunct="0">
+              <a:spcBef>
+                <a:spcPct val="0"/>
+              </a:spcBef>
+              <a:spcAft>
+                <a:spcPct val="0"/>
+              </a:spcAft>
+              <a:defRPr>
+                <a:solidFill>
+                  <a:schemeClr val="tx1"/>
+                </a:solidFill>
+                <a:latin typeface="Verdana" pitchFamily="34" charset="0"/>
+                <a:ea typeface="宋体" pitchFamily="2" charset="-122"/>
+              </a:defRPr>
+            </a:lvl6pPr>
+            <a:lvl7pPr marL="2971800" indent="-228600" eaLnBrk="0" fontAlgn="base" hangingPunct="0">
+              <a:spcBef>
+                <a:spcPct val="0"/>
+              </a:spcBef>
+              <a:spcAft>
+                <a:spcPct val="0"/>
+              </a:spcAft>
+              <a:defRPr>
+                <a:solidFill>
+                  <a:schemeClr val="tx1"/>
+                </a:solidFill>
+                <a:latin typeface="Verdana" pitchFamily="34" charset="0"/>
+                <a:ea typeface="宋体" pitchFamily="2" charset="-122"/>
+              </a:defRPr>
+            </a:lvl7pPr>
+            <a:lvl8pPr marL="3429000" indent="-228600" eaLnBrk="0" fontAlgn="base" hangingPunct="0">
+              <a:spcBef>
+                <a:spcPct val="0"/>
+              </a:spcBef>
+              <a:spcAft>
+                <a:spcPct val="0"/>
+              </a:spcAft>
+              <a:defRPr>
+                <a:solidFill>
+                  <a:schemeClr val="tx1"/>
+                </a:solidFill>
+                <a:latin typeface="Verdana" pitchFamily="34" charset="0"/>
+                <a:ea typeface="宋体" pitchFamily="2" charset="-122"/>
+              </a:defRPr>
+            </a:lvl8pPr>
+            <a:lvl9pPr marL="3886200" indent="-228600" eaLnBrk="0" fontAlgn="base" hangingPunct="0">
+              <a:spcBef>
+                <a:spcPct val="0"/>
+              </a:spcBef>
+              <a:spcAft>
+                <a:spcPct val="0"/>
+              </a:spcAft>
+              <a:defRPr>
+                <a:solidFill>
+                  <a:schemeClr val="tx1"/>
+                </a:solidFill>
+                <a:latin typeface="Verdana" pitchFamily="34" charset="0"/>
+                <a:ea typeface="宋体" pitchFamily="2" charset="-122"/>
+              </a:defRPr>
+            </a:lvl9pPr>
+          </a:lstStyle>
+          <a:p>
+            <a:pPr eaLnBrk="1" hangingPunct="1"/>
+            <a:fld id="{D4C014F6-2BDE-4E3A-B776-66202A1D62D3}" type="slidenum">
+              <a:rPr lang="en-US" altLang="zh-CN" smtClean="0"/>
+              <a:pPr eaLnBrk="1" hangingPunct="1"/>
+              <a:t>8</a:t>
+            </a:fld>
+            <a:endParaRPr lang="en-US" altLang="zh-CN" smtClean="0"/>
+          </a:p>
+        </p:txBody>
+      </p:sp>
+      <p:sp>
+        <p:nvSpPr>
+          <p:cNvPr id="65539" name="Rectangle 2"/>
+          <p:cNvSpPr>
+            <a:spLocks noGrp="1" noChangeArrowheads="1"/>
+          </p:cNvSpPr>
+          <p:nvPr>
             <p:ph type="title"/>
           </p:nvPr>
         </p:nvSpPr>
@@ -6979,18 +7347,29 @@
           <a:bodyPr/>
           <a:lstStyle/>
           <a:p>
-            <a:endParaRPr lang="zh-CN" altLang="en-US"/>
-          </a:p>
-        </p:txBody>
-      </p:sp>
-      <p:sp>
-        <p:nvSpPr>
-          <p:cNvPr id="3" name="内容占位符 2"/>
-          <p:cNvSpPr>
-            <a:spLocks noGrp="1"/>
-          </p:cNvSpPr>
-          <p:nvPr>
-            <p:ph idx="1"/>
+            <a:pPr eaLnBrk="1" hangingPunct="1"/>
+            <a:r>
+              <a:rPr lang="zh-CN" altLang="en-US" b="1" dirty="0" smtClean="0">
+                <a:latin typeface="黑体" pitchFamily="2" charset="-122"/>
+                <a:ea typeface="黑体" pitchFamily="2" charset="-122"/>
+              </a:rPr>
+              <a:t>回归测试</a:t>
+            </a:r>
+            <a:endParaRPr lang="zh-CN" altLang="en-US" b="1" dirty="0" smtClean="0">
+              <a:latin typeface="黑体" pitchFamily="2" charset="-122"/>
+              <a:ea typeface="黑体" pitchFamily="2" charset="-122"/>
+            </a:endParaRPr>
+          </a:p>
+        </p:txBody>
+      </p:sp>
+      <p:sp>
+        <p:nvSpPr>
+          <p:cNvPr id="31748" name="Rectangle 3"/>
+          <p:cNvSpPr>
+            <a:spLocks noGrp="1" noChangeArrowheads="1"/>
+          </p:cNvSpPr>
+          <p:nvPr>
+            <p:ph type="body" idx="1"/>
           </p:nvPr>
         </p:nvSpPr>
         <p:spPr/>
@@ -6998,119 +7377,76 @@
           <a:bodyPr/>
           <a:lstStyle/>
           <a:p>
-            <a:pPr marL="469900" lvl="1" indent="-469900">
-              <a:buFont typeface="Wingdings" pitchFamily="2" charset="2"/>
-              <a:buChar char="o"/>
+            <a:pPr>
+              <a:defRPr/>
             </a:pPr>
             <a:r>
-              <a:rPr lang="zh-CN" altLang="en-US" sz="3600" b="1" dirty="0">
+              <a:rPr lang="zh-CN" altLang="en-US" sz="3400" b="1" dirty="0" smtClean="0"/>
+              <a:t>回归测试的主要</a:t>
+            </a:r>
+            <a:r>
+              <a:rPr lang="zh-CN" sz="3400" b="1" dirty="0" smtClean="0"/>
+              <a:t>目的</a:t>
+            </a:r>
+          </a:p>
+          <a:p>
+            <a:pPr lvl="1">
+              <a:defRPr/>
+            </a:pPr>
+            <a:r>
+              <a:rPr lang="zh-CN" b="1" dirty="0" smtClean="0">
                 <a:cs typeface="+mn-cs"/>
               </a:rPr>
-              <a:t>全面回归测试</a:t>
-            </a:r>
-            <a:endParaRPr lang="en-US" altLang="zh-CN" sz="3600" b="1" dirty="0">
-              <a:cs typeface="+mn-cs"/>
-            </a:endParaRPr>
-          </a:p>
-          <a:p>
-            <a:pPr lvl="1" eaLnBrk="1" hangingPunct="1">
-              <a:lnSpc>
-                <a:spcPct val="150000"/>
-              </a:lnSpc>
+              <a:t>确保缺陷真正得到了修复</a:t>
+            </a:r>
+          </a:p>
+          <a:p>
+            <a:pPr lvl="1">
               <a:defRPr/>
             </a:pPr>
             <a:r>
-              <a:rPr lang="zh-CN" altLang="en-US" b="1" dirty="0"/>
-              <a:t>所有的测试用例</a:t>
-            </a:r>
-            <a:r>
-              <a:rPr lang="en-US" altLang="zh-CN" b="1" dirty="0"/>
-              <a:t>100%</a:t>
-            </a:r>
-            <a:r>
-              <a:rPr lang="zh-CN" altLang="en-US" b="1" dirty="0"/>
-              <a:t>进行回归测试</a:t>
-            </a:r>
-            <a:endParaRPr lang="en-US" altLang="zh-CN" b="1" dirty="0"/>
-          </a:p>
-          <a:p>
-            <a:pPr marL="469900" lvl="1" indent="-469900">
-              <a:buFont typeface="Wingdings" pitchFamily="2" charset="2"/>
-              <a:buChar char="o"/>
-            </a:pPr>
-            <a:r>
-              <a:rPr lang="zh-CN" altLang="en-US" sz="3600" b="1" dirty="0">
+              <a:rPr lang="zh-CN" b="1" dirty="0" smtClean="0">
                 <a:cs typeface="+mn-cs"/>
               </a:rPr>
-              <a:t>选择性回归</a:t>
-            </a:r>
-            <a:endParaRPr lang="en-US" altLang="zh-CN" sz="3600" b="1" dirty="0">
-              <a:cs typeface="+mn-cs"/>
-            </a:endParaRPr>
-          </a:p>
-          <a:p>
-            <a:pPr lvl="1" eaLnBrk="1" hangingPunct="1">
-              <a:lnSpc>
-                <a:spcPct val="150000"/>
-              </a:lnSpc>
+              <a:t>防止在缺陷修复或功能变化过程中造成对软件原有正常部分代码的损坏</a:t>
+            </a:r>
+          </a:p>
+          <a:p>
+            <a:pPr lvl="1">
               <a:defRPr/>
             </a:pPr>
             <a:r>
-              <a:rPr lang="zh-CN" altLang="en-US" b="1" dirty="0"/>
-              <a:t>只对出现问题的这些功能进行验证，没有出现问题的就不进行验证</a:t>
-            </a:r>
-            <a:endParaRPr lang="en-US" altLang="zh-CN" b="1" dirty="0"/>
-          </a:p>
-          <a:p>
-            <a:pPr marL="0" indent="0">
-              <a:buNone/>
+              <a:rPr lang="zh-CN" b="1" dirty="0" smtClean="0">
+                <a:cs typeface="+mn-cs"/>
+              </a:rPr>
+              <a:t>防止由于开发人员自身因素或其他因素导致的版本倒流现象</a:t>
+            </a:r>
+          </a:p>
+          <a:p>
+            <a:pPr lvl="1">
+              <a:defRPr/>
             </a:pPr>
-            <a:endParaRPr lang="zh-CN" altLang="en-US" dirty="0"/>
-          </a:p>
-        </p:txBody>
-      </p:sp>
-      <p:sp>
-        <p:nvSpPr>
-          <p:cNvPr id="4" name="灯片编号占位符 3"/>
-          <p:cNvSpPr>
-            <a:spLocks noGrp="1"/>
-          </p:cNvSpPr>
-          <p:nvPr>
-            <p:ph type="sldNum" sz="quarter" idx="12"/>
-          </p:nvPr>
-        </p:nvSpPr>
-        <p:spPr/>
-        <p:txBody>
-          <a:bodyPr/>
-          <a:lstStyle/>
-          <a:p>
-            <a:pPr>
-              <a:defRPr/>
-            </a:pPr>
-            <a:fld id="{CB6A985E-BE02-4E5A-8B89-C24F6CB4E833}" type="slidenum">
-              <a:rPr lang="en-US" altLang="zh-CN" smtClean="0"/>
-              <a:pPr>
-                <a:defRPr/>
-              </a:pPr>
-              <a:t>8</a:t>
-            </a:fld>
-            <a:endParaRPr lang="en-US" altLang="zh-CN"/>
+            <a:r>
+              <a:rPr lang="zh-CN" b="1" dirty="0" smtClean="0">
+                <a:cs typeface="+mn-cs"/>
+              </a:rPr>
+              <a:t>防止由于其他因素造成的原正常功能的失效</a:t>
+            </a:r>
+            <a:endParaRPr lang="zh-CN" altLang="en-US" b="1" dirty="0" smtClean="0"/>
           </a:p>
         </p:txBody>
       </p:sp>
     </p:spTree>
     <p:extLst>
       <p:ext uri="{BB962C8B-B14F-4D97-AF65-F5344CB8AC3E}">
-        <p14:creationId xmlns:p14="http://schemas.microsoft.com/office/powerpoint/2010/main" val="4141938140"/>
+        <p14:creationId xmlns:p14="http://schemas.microsoft.com/office/powerpoint/2010/main" val="2244802608"/>
       </p:ext>
     </p:extLst>
   </p:cSld>
   <p:clrMapOvr>
     <a:masterClrMapping/>
   </p:clrMapOvr>
-  <p:transition>
-    <p:blinds dir="vert"/>
-  </p:transition>
+  <p:transition/>
 </p:sld>
 </file>
 
@@ -7133,157 +7469,242 @@
       </p:grpSpPr>
       <p:sp>
         <p:nvSpPr>
-          <p:cNvPr id="2" name="标题 1"/>
+          <p:cNvPr id="66562" name="灯片编号占位符 5"/>
           <p:cNvSpPr>
             <a:spLocks noGrp="1"/>
           </p:cNvSpPr>
           <p:nvPr>
-            <p:ph type="title"/>
-          </p:nvPr>
-        </p:nvSpPr>
-        <p:spPr/>
-        <p:txBody>
-          <a:bodyPr/>
-          <a:lstStyle/>
-          <a:p>
-            <a:endParaRPr lang="zh-CN" altLang="en-US"/>
-          </a:p>
-        </p:txBody>
-      </p:sp>
-      <p:sp>
-        <p:nvSpPr>
-          <p:cNvPr id="3" name="内容占位符 2"/>
-          <p:cNvSpPr>
-            <a:spLocks noGrp="1"/>
-          </p:cNvSpPr>
-          <p:nvPr>
-            <p:ph idx="1"/>
-          </p:nvPr>
-        </p:nvSpPr>
-        <p:spPr/>
-        <p:txBody>
-          <a:bodyPr/>
-          <a:lstStyle/>
-          <a:p>
-            <a:pPr marL="469900" lvl="1" indent="-469900">
-              <a:buFont typeface="Wingdings" pitchFamily="2" charset="2"/>
-              <a:buChar char="o"/>
-            </a:pPr>
-            <a:r>
-              <a:rPr lang="zh-CN" altLang="en-US" sz="3600" b="1" dirty="0">
-                <a:cs typeface="+mn-cs"/>
-              </a:rPr>
-              <a:t>指标法回归</a:t>
-            </a:r>
-            <a:endParaRPr lang="en-US" altLang="zh-CN" sz="3600" b="1" dirty="0">
-              <a:cs typeface="+mn-cs"/>
-            </a:endParaRPr>
-          </a:p>
-          <a:p>
-            <a:pPr lvl="1" eaLnBrk="1" hangingPunct="1">
-              <a:lnSpc>
-                <a:spcPct val="150000"/>
-              </a:lnSpc>
-              <a:defRPr/>
-            </a:pPr>
-            <a:r>
-              <a:rPr lang="zh-CN" altLang="en-US" b="1" dirty="0"/>
-              <a:t>每次回归测试一定比例的测试用例（不可取）</a:t>
-            </a:r>
-            <a:endParaRPr lang="en-US" altLang="zh-CN" b="1" dirty="0"/>
-          </a:p>
-          <a:p>
-            <a:pPr marL="469900" lvl="1" indent="-469900">
-              <a:buFont typeface="Wingdings" pitchFamily="2" charset="2"/>
-              <a:buChar char="o"/>
-            </a:pPr>
-            <a:r>
-              <a:rPr lang="zh-CN" altLang="en-US" sz="3600" b="1" dirty="0">
-                <a:cs typeface="+mn-cs"/>
-              </a:rPr>
-              <a:t>自动化工具回归</a:t>
-            </a:r>
-            <a:endParaRPr lang="en-US" altLang="zh-CN" sz="3600" b="1" dirty="0">
-              <a:cs typeface="+mn-cs"/>
-            </a:endParaRPr>
-          </a:p>
-          <a:p>
-            <a:pPr lvl="1" eaLnBrk="1" hangingPunct="1">
-              <a:lnSpc>
-                <a:spcPct val="150000"/>
-              </a:lnSpc>
-              <a:defRPr/>
-            </a:pPr>
-            <a:r>
-              <a:rPr lang="zh-CN" altLang="en-US" b="1" dirty="0"/>
-              <a:t>可以快速实现</a:t>
-            </a:r>
-            <a:r>
-              <a:rPr lang="en-US" altLang="zh-CN" b="1" dirty="0"/>
-              <a:t>100%</a:t>
-            </a:r>
-            <a:r>
-              <a:rPr lang="zh-CN" altLang="en-US" b="1" dirty="0"/>
-              <a:t>的回归测试，但是前期投入较大</a:t>
-            </a:r>
-            <a:endParaRPr lang="en-US" altLang="zh-CN" b="1" dirty="0"/>
-          </a:p>
-          <a:p>
-            <a:pPr lvl="1" eaLnBrk="1" hangingPunct="1">
-              <a:lnSpc>
-                <a:spcPct val="150000"/>
-              </a:lnSpc>
-              <a:defRPr/>
-            </a:pPr>
-            <a:endParaRPr lang="en-US" altLang="zh-CN" b="1" dirty="0"/>
-          </a:p>
-          <a:p>
-            <a:endParaRPr lang="zh-CN" altLang="en-US" dirty="0"/>
-          </a:p>
-        </p:txBody>
-      </p:sp>
-      <p:sp>
-        <p:nvSpPr>
-          <p:cNvPr id="4" name="灯片编号占位符 3"/>
-          <p:cNvSpPr>
-            <a:spLocks noGrp="1"/>
-          </p:cNvSpPr>
-          <p:nvPr>
             <p:ph type="sldNum" sz="quarter" idx="12"/>
           </p:nvPr>
         </p:nvSpPr>
-        <p:spPr/>
-        <p:txBody>
-          <a:bodyPr/>
-          <a:lstStyle/>
-          <a:p>
-            <a:pPr>
-              <a:defRPr/>
-            </a:pPr>
-            <a:fld id="{CB6A985E-BE02-4E5A-8B89-C24F6CB4E833}" type="slidenum">
+        <p:spPr>
+          <a:noFill/>
+          <a:ln/>
+          <a:extLst>
+            <a:ext uri="{909E8E84-426E-40DD-AFC4-6F175D3DCCD1}">
+              <a14:hiddenFill xmlns:a14="http://schemas.microsoft.com/office/drawing/2010/main">
+                <a:solidFill>
+                  <a:srgbClr val="FFFFFF"/>
+                </a:solidFill>
+              </a14:hiddenFill>
+            </a:ext>
+            <a:ext uri="{91240B29-F687-4F45-9708-019B960494DF}">
+              <a14:hiddenLine xmlns:a14="http://schemas.microsoft.com/office/drawing/2010/main" w="9525">
+                <a:solidFill>
+                  <a:srgbClr val="000000"/>
+                </a:solidFill>
+                <a:miter lim="800000"/>
+                <a:headEnd/>
+                <a:tailEnd/>
+              </a14:hiddenLine>
+            </a:ext>
+          </a:extLst>
+        </p:spPr>
+        <p:txBody>
+          <a:bodyPr/>
+          <a:lstStyle>
+            <a:lvl1pPr eaLnBrk="0" hangingPunct="0">
+              <a:defRPr>
+                <a:solidFill>
+                  <a:schemeClr val="tx1"/>
+                </a:solidFill>
+                <a:latin typeface="Verdana" pitchFamily="34" charset="0"/>
+                <a:ea typeface="宋体" pitchFamily="2" charset="-122"/>
+              </a:defRPr>
+            </a:lvl1pPr>
+            <a:lvl2pPr marL="742950" indent="-285750" eaLnBrk="0" hangingPunct="0">
+              <a:defRPr>
+                <a:solidFill>
+                  <a:schemeClr val="tx1"/>
+                </a:solidFill>
+                <a:latin typeface="Verdana" pitchFamily="34" charset="0"/>
+                <a:ea typeface="宋体" pitchFamily="2" charset="-122"/>
+              </a:defRPr>
+            </a:lvl2pPr>
+            <a:lvl3pPr marL="1143000" indent="-228600" eaLnBrk="0" hangingPunct="0">
+              <a:defRPr>
+                <a:solidFill>
+                  <a:schemeClr val="tx1"/>
+                </a:solidFill>
+                <a:latin typeface="Verdana" pitchFamily="34" charset="0"/>
+                <a:ea typeface="宋体" pitchFamily="2" charset="-122"/>
+              </a:defRPr>
+            </a:lvl3pPr>
+            <a:lvl4pPr marL="1600200" indent="-228600" eaLnBrk="0" hangingPunct="0">
+              <a:defRPr>
+                <a:solidFill>
+                  <a:schemeClr val="tx1"/>
+                </a:solidFill>
+                <a:latin typeface="Verdana" pitchFamily="34" charset="0"/>
+                <a:ea typeface="宋体" pitchFamily="2" charset="-122"/>
+              </a:defRPr>
+            </a:lvl4pPr>
+            <a:lvl5pPr marL="2057400" indent="-228600" eaLnBrk="0" hangingPunct="0">
+              <a:defRPr>
+                <a:solidFill>
+                  <a:schemeClr val="tx1"/>
+                </a:solidFill>
+                <a:latin typeface="Verdana" pitchFamily="34" charset="0"/>
+                <a:ea typeface="宋体" pitchFamily="2" charset="-122"/>
+              </a:defRPr>
+            </a:lvl5pPr>
+            <a:lvl6pPr marL="2514600" indent="-228600" eaLnBrk="0" fontAlgn="base" hangingPunct="0">
+              <a:spcBef>
+                <a:spcPct val="0"/>
+              </a:spcBef>
+              <a:spcAft>
+                <a:spcPct val="0"/>
+              </a:spcAft>
+              <a:defRPr>
+                <a:solidFill>
+                  <a:schemeClr val="tx1"/>
+                </a:solidFill>
+                <a:latin typeface="Verdana" pitchFamily="34" charset="0"/>
+                <a:ea typeface="宋体" pitchFamily="2" charset="-122"/>
+              </a:defRPr>
+            </a:lvl6pPr>
+            <a:lvl7pPr marL="2971800" indent="-228600" eaLnBrk="0" fontAlgn="base" hangingPunct="0">
+              <a:spcBef>
+                <a:spcPct val="0"/>
+              </a:spcBef>
+              <a:spcAft>
+                <a:spcPct val="0"/>
+              </a:spcAft>
+              <a:defRPr>
+                <a:solidFill>
+                  <a:schemeClr val="tx1"/>
+                </a:solidFill>
+                <a:latin typeface="Verdana" pitchFamily="34" charset="0"/>
+                <a:ea typeface="宋体" pitchFamily="2" charset="-122"/>
+              </a:defRPr>
+            </a:lvl7pPr>
+            <a:lvl8pPr marL="3429000" indent="-228600" eaLnBrk="0" fontAlgn="base" hangingPunct="0">
+              <a:spcBef>
+                <a:spcPct val="0"/>
+              </a:spcBef>
+              <a:spcAft>
+                <a:spcPct val="0"/>
+              </a:spcAft>
+              <a:defRPr>
+                <a:solidFill>
+                  <a:schemeClr val="tx1"/>
+                </a:solidFill>
+                <a:latin typeface="Verdana" pitchFamily="34" charset="0"/>
+                <a:ea typeface="宋体" pitchFamily="2" charset="-122"/>
+              </a:defRPr>
+            </a:lvl8pPr>
+            <a:lvl9pPr marL="3886200" indent="-228600" eaLnBrk="0" fontAlgn="base" hangingPunct="0">
+              <a:spcBef>
+                <a:spcPct val="0"/>
+              </a:spcBef>
+              <a:spcAft>
+                <a:spcPct val="0"/>
+              </a:spcAft>
+              <a:defRPr>
+                <a:solidFill>
+                  <a:schemeClr val="tx1"/>
+                </a:solidFill>
+                <a:latin typeface="Verdana" pitchFamily="34" charset="0"/>
+                <a:ea typeface="宋体" pitchFamily="2" charset="-122"/>
+              </a:defRPr>
+            </a:lvl9pPr>
+          </a:lstStyle>
+          <a:p>
+            <a:pPr eaLnBrk="1" hangingPunct="1"/>
+            <a:fld id="{036B3CF1-198B-4315-977C-171677BAA369}" type="slidenum">
               <a:rPr lang="en-US" altLang="zh-CN" smtClean="0"/>
-              <a:pPr>
-                <a:defRPr/>
-              </a:pPr>
+              <a:pPr eaLnBrk="1" hangingPunct="1"/>
               <a:t>9</a:t>
             </a:fld>
-            <a:endParaRPr lang="en-US" altLang="zh-CN"/>
+            <a:endParaRPr lang="en-US" altLang="zh-CN" smtClean="0"/>
+          </a:p>
+        </p:txBody>
+      </p:sp>
+      <p:sp>
+        <p:nvSpPr>
+          <p:cNvPr id="66563" name="Rectangle 2"/>
+          <p:cNvSpPr>
+            <a:spLocks noGrp="1" noChangeArrowheads="1"/>
+          </p:cNvSpPr>
+          <p:nvPr>
+            <p:ph type="title"/>
+          </p:nvPr>
+        </p:nvSpPr>
+        <p:spPr/>
+        <p:txBody>
+          <a:bodyPr/>
+          <a:lstStyle/>
+          <a:p>
+            <a:pPr eaLnBrk="1" hangingPunct="1"/>
+            <a:r>
+              <a:rPr lang="zh-CN" altLang="en-US" b="1" dirty="0" smtClean="0">
+                <a:latin typeface="黑体" pitchFamily="2" charset="-122"/>
+                <a:ea typeface="黑体" pitchFamily="2" charset="-122"/>
+              </a:rPr>
+              <a:t>回归测试</a:t>
+            </a:r>
+            <a:endParaRPr lang="zh-CN" altLang="en-US" b="1" dirty="0" smtClean="0">
+              <a:latin typeface="黑体" pitchFamily="2" charset="-122"/>
+              <a:ea typeface="黑体" pitchFamily="2" charset="-122"/>
+            </a:endParaRPr>
+          </a:p>
+        </p:txBody>
+      </p:sp>
+      <p:sp>
+        <p:nvSpPr>
+          <p:cNvPr id="66564" name="Rectangle 3"/>
+          <p:cNvSpPr>
+            <a:spLocks noGrp="1" noChangeArrowheads="1"/>
+          </p:cNvSpPr>
+          <p:nvPr>
+            <p:ph type="body" idx="1"/>
+          </p:nvPr>
+        </p:nvSpPr>
+        <p:spPr/>
+        <p:txBody>
+          <a:bodyPr/>
+          <a:lstStyle/>
+          <a:p>
+            <a:pPr eaLnBrk="1" hangingPunct="1"/>
+            <a:r>
+              <a:rPr lang="zh-CN" altLang="en-US" sz="3400" b="1" smtClean="0"/>
+              <a:t>策略</a:t>
+            </a:r>
+            <a:endParaRPr lang="en-US" altLang="zh-CN" sz="3400" b="1" smtClean="0"/>
+          </a:p>
+          <a:p>
+            <a:pPr lvl="1" eaLnBrk="1" hangingPunct="1"/>
+            <a:r>
+              <a:rPr lang="zh-CN" altLang="en-US" b="1" smtClean="0"/>
+              <a:t>关注代码的变化</a:t>
+            </a:r>
+            <a:endParaRPr lang="en-US" altLang="zh-CN" b="1" smtClean="0"/>
+          </a:p>
+          <a:p>
+            <a:pPr lvl="1" eaLnBrk="1" hangingPunct="1"/>
+            <a:r>
+              <a:rPr lang="zh-CN" altLang="en-US" b="1" smtClean="0"/>
+              <a:t>关注测试的变化</a:t>
+            </a:r>
+            <a:endParaRPr lang="en-US" altLang="zh-CN" b="1" smtClean="0"/>
+          </a:p>
+          <a:p>
+            <a:pPr lvl="1" eaLnBrk="1" hangingPunct="1"/>
+            <a:endParaRPr lang="zh-CN" altLang="en-US" b="1" smtClean="0"/>
           </a:p>
         </p:txBody>
       </p:sp>
     </p:spTree>
     <p:extLst>
       <p:ext uri="{BB962C8B-B14F-4D97-AF65-F5344CB8AC3E}">
-        <p14:creationId xmlns:p14="http://schemas.microsoft.com/office/powerpoint/2010/main" val="1758128570"/>
+        <p14:creationId xmlns:p14="http://schemas.microsoft.com/office/powerpoint/2010/main" val="2493683024"/>
       </p:ext>
     </p:extLst>
   </p:cSld>
   <p:clrMapOvr>
     <a:masterClrMapping/>
   </p:clrMapOvr>
-  <p:transition>
-    <p:blinds dir="vert"/>
-  </p:transition>
+  <p:transition/>
 </p:sld>
 </file>
 

--- a/PPT/第三部分 软件测试应用/11.3 回归测试+冒烟测试.pptx
+++ b/PPT/第三部分 软件测试应用/11.3 回归测试+冒烟测试.pptx
@@ -15,8 +15,8 @@
     <p:sldId id="257" r:id="rId3"/>
     <p:sldId id="285" r:id="rId4"/>
     <p:sldId id="343" r:id="rId5"/>
-    <p:sldId id="349" r:id="rId6"/>
-    <p:sldId id="353" r:id="rId7"/>
+    <p:sldId id="353" r:id="rId6"/>
+    <p:sldId id="349" r:id="rId7"/>
     <p:sldId id="345" r:id="rId8"/>
     <p:sldId id="350" r:id="rId9"/>
     <p:sldId id="351" r:id="rId10"/>
@@ -6124,6 +6124,135 @@
       </p:grpSpPr>
       <p:sp>
         <p:nvSpPr>
+          <p:cNvPr id="2" name="标题 1"/>
+          <p:cNvSpPr>
+            <a:spLocks noGrp="1"/>
+          </p:cNvSpPr>
+          <p:nvPr>
+            <p:ph type="title"/>
+          </p:nvPr>
+        </p:nvSpPr>
+        <p:spPr/>
+        <p:txBody>
+          <a:bodyPr/>
+          <a:lstStyle/>
+          <a:p>
+            <a:pPr eaLnBrk="1" hangingPunct="1">
+              <a:defRPr/>
+            </a:pPr>
+            <a:r>
+              <a:rPr lang="zh-CN" altLang="en-US" b="1" dirty="0">
+                <a:latin typeface="黑体" pitchFamily="49" charset="-122"/>
+                <a:ea typeface="黑体" pitchFamily="49" charset="-122"/>
+              </a:rPr>
+              <a:t>随机测试（</a:t>
+            </a:r>
+            <a:r>
+              <a:rPr lang="en-US" altLang="zh-CN" b="1" dirty="0">
+                <a:latin typeface="黑体" pitchFamily="49" charset="-122"/>
+                <a:ea typeface="黑体" pitchFamily="49" charset="-122"/>
+              </a:rPr>
+              <a:t>Random Testing</a:t>
+            </a:r>
+            <a:r>
+              <a:rPr lang="zh-CN" altLang="en-US" b="1" dirty="0">
+                <a:latin typeface="黑体" pitchFamily="49" charset="-122"/>
+                <a:ea typeface="黑体" pitchFamily="49" charset="-122"/>
+              </a:rPr>
+              <a:t>）</a:t>
+            </a:r>
+          </a:p>
+        </p:txBody>
+      </p:sp>
+      <p:sp>
+        <p:nvSpPr>
+          <p:cNvPr id="3" name="内容占位符 2"/>
+          <p:cNvSpPr>
+            <a:spLocks noGrp="1"/>
+          </p:cNvSpPr>
+          <p:nvPr>
+            <p:ph idx="1"/>
+          </p:nvPr>
+        </p:nvSpPr>
+        <p:spPr/>
+        <p:txBody>
+          <a:bodyPr/>
+          <a:lstStyle/>
+          <a:p>
+            <a:pPr marL="0" indent="0">
+              <a:buNone/>
+            </a:pPr>
+            <a:r>
+              <a:rPr lang="zh-CN" altLang="en-US" sz="3600" b="1" dirty="0"/>
+              <a:t>是指测试中所有的输入数据都是随机生成的，其目的是模拟用户的真实操作，发现一些边缘性的错误。</a:t>
+            </a:r>
+          </a:p>
+        </p:txBody>
+      </p:sp>
+      <p:sp>
+        <p:nvSpPr>
+          <p:cNvPr id="4" name="灯片编号占位符 3"/>
+          <p:cNvSpPr>
+            <a:spLocks noGrp="1"/>
+          </p:cNvSpPr>
+          <p:nvPr>
+            <p:ph type="sldNum" sz="quarter" idx="12"/>
+          </p:nvPr>
+        </p:nvSpPr>
+        <p:spPr/>
+        <p:txBody>
+          <a:bodyPr/>
+          <a:lstStyle/>
+          <a:p>
+            <a:pPr>
+              <a:defRPr/>
+            </a:pPr>
+            <a:fld id="{CB6A985E-BE02-4E5A-8B89-C24F6CB4E833}" type="slidenum">
+              <a:rPr lang="en-US" altLang="zh-CN" smtClean="0"/>
+              <a:pPr>
+                <a:defRPr/>
+              </a:pPr>
+              <a:t>5</a:t>
+            </a:fld>
+            <a:endParaRPr lang="en-US" altLang="zh-CN"/>
+          </a:p>
+        </p:txBody>
+      </p:sp>
+    </p:spTree>
+    <p:extLst>
+      <p:ext uri="{BB962C8B-B14F-4D97-AF65-F5344CB8AC3E}">
+        <p14:creationId xmlns:p14="http://schemas.microsoft.com/office/powerpoint/2010/main" val="2489817545"/>
+      </p:ext>
+    </p:extLst>
+  </p:cSld>
+  <p:clrMapOvr>
+    <a:masterClrMapping/>
+  </p:clrMapOvr>
+  <p:transition>
+    <p:blinds dir="vert"/>
+  </p:transition>
+</p:sld>
+</file>
+
+<file path=ppt/slides/slide6.xml><?xml version="1.0" encoding="utf-8"?>
+<p:sld xmlns:a="http://schemas.openxmlformats.org/drawingml/2006/main" xmlns:r="http://schemas.openxmlformats.org/officeDocument/2006/relationships" xmlns:p="http://schemas.openxmlformats.org/presentationml/2006/main">
+  <p:cSld>
+    <p:spTree>
+      <p:nvGrpSpPr>
+        <p:cNvPr id="1" name=""/>
+        <p:cNvGrpSpPr/>
+        <p:nvPr/>
+      </p:nvGrpSpPr>
+      <p:grpSpPr>
+        <a:xfrm>
+          <a:off x="0" y="0"/>
+          <a:ext cx="0" cy="0"/>
+          <a:chOff x="0" y="0"/>
+          <a:chExt cx="0" cy="0"/>
+        </a:xfrm>
+      </p:grpSpPr>
+      <p:sp>
+        <p:nvSpPr>
           <p:cNvPr id="64514" name="灯片编号占位符 5"/>
           <p:cNvSpPr>
             <a:spLocks noGrp="1"/>
@@ -6269,7 +6398,7 @@
             <a:fld id="{79171574-673D-40A7-9D68-C8233719713C}" type="slidenum">
               <a:rPr lang="en-US" altLang="zh-CN" smtClean="0"/>
               <a:pPr eaLnBrk="1" hangingPunct="1"/>
-              <a:t>5</a:t>
+              <a:t>6</a:t>
             </a:fld>
             <a:endParaRPr lang="en-US" altLang="zh-CN" smtClean="0"/>
           </a:p>
@@ -6373,135 +6502,6 @@
     <a:masterClrMapping/>
   </p:clrMapOvr>
   <p:transition/>
-</p:sld>
-</file>
-
-<file path=ppt/slides/slide6.xml><?xml version="1.0" encoding="utf-8"?>
-<p:sld xmlns:a="http://schemas.openxmlformats.org/drawingml/2006/main" xmlns:r="http://schemas.openxmlformats.org/officeDocument/2006/relationships" xmlns:p="http://schemas.openxmlformats.org/presentationml/2006/main">
-  <p:cSld>
-    <p:spTree>
-      <p:nvGrpSpPr>
-        <p:cNvPr id="1" name=""/>
-        <p:cNvGrpSpPr/>
-        <p:nvPr/>
-      </p:nvGrpSpPr>
-      <p:grpSpPr>
-        <a:xfrm>
-          <a:off x="0" y="0"/>
-          <a:ext cx="0" cy="0"/>
-          <a:chOff x="0" y="0"/>
-          <a:chExt cx="0" cy="0"/>
-        </a:xfrm>
-      </p:grpSpPr>
-      <p:sp>
-        <p:nvSpPr>
-          <p:cNvPr id="2" name="标题 1"/>
-          <p:cNvSpPr>
-            <a:spLocks noGrp="1"/>
-          </p:cNvSpPr>
-          <p:nvPr>
-            <p:ph type="title"/>
-          </p:nvPr>
-        </p:nvSpPr>
-        <p:spPr/>
-        <p:txBody>
-          <a:bodyPr/>
-          <a:lstStyle/>
-          <a:p>
-            <a:pPr eaLnBrk="1" hangingPunct="1">
-              <a:defRPr/>
-            </a:pPr>
-            <a:r>
-              <a:rPr lang="zh-CN" altLang="en-US" b="1" dirty="0">
-                <a:latin typeface="黑体" pitchFamily="49" charset="-122"/>
-                <a:ea typeface="黑体" pitchFamily="49" charset="-122"/>
-              </a:rPr>
-              <a:t>随机测试（</a:t>
-            </a:r>
-            <a:r>
-              <a:rPr lang="en-US" altLang="zh-CN" b="1" dirty="0">
-                <a:latin typeface="黑体" pitchFamily="49" charset="-122"/>
-                <a:ea typeface="黑体" pitchFamily="49" charset="-122"/>
-              </a:rPr>
-              <a:t>Random Testing</a:t>
-            </a:r>
-            <a:r>
-              <a:rPr lang="zh-CN" altLang="en-US" b="1" dirty="0">
-                <a:latin typeface="黑体" pitchFamily="49" charset="-122"/>
-                <a:ea typeface="黑体" pitchFamily="49" charset="-122"/>
-              </a:rPr>
-              <a:t>）</a:t>
-            </a:r>
-          </a:p>
-        </p:txBody>
-      </p:sp>
-      <p:sp>
-        <p:nvSpPr>
-          <p:cNvPr id="3" name="内容占位符 2"/>
-          <p:cNvSpPr>
-            <a:spLocks noGrp="1"/>
-          </p:cNvSpPr>
-          <p:nvPr>
-            <p:ph idx="1"/>
-          </p:nvPr>
-        </p:nvSpPr>
-        <p:spPr/>
-        <p:txBody>
-          <a:bodyPr/>
-          <a:lstStyle/>
-          <a:p>
-            <a:pPr marL="0" indent="0">
-              <a:buNone/>
-            </a:pPr>
-            <a:r>
-              <a:rPr lang="zh-CN" altLang="en-US" sz="3600" b="1" dirty="0"/>
-              <a:t>是指测试中所有的输入数据都是随机生成的，其目的是模拟用户的真实操作，发现一些边缘性的错误。</a:t>
-            </a:r>
-          </a:p>
-        </p:txBody>
-      </p:sp>
-      <p:sp>
-        <p:nvSpPr>
-          <p:cNvPr id="4" name="灯片编号占位符 3"/>
-          <p:cNvSpPr>
-            <a:spLocks noGrp="1"/>
-          </p:cNvSpPr>
-          <p:nvPr>
-            <p:ph type="sldNum" sz="quarter" idx="12"/>
-          </p:nvPr>
-        </p:nvSpPr>
-        <p:spPr/>
-        <p:txBody>
-          <a:bodyPr/>
-          <a:lstStyle/>
-          <a:p>
-            <a:pPr>
-              <a:defRPr/>
-            </a:pPr>
-            <a:fld id="{CB6A985E-BE02-4E5A-8B89-C24F6CB4E833}" type="slidenum">
-              <a:rPr lang="en-US" altLang="zh-CN" smtClean="0"/>
-              <a:pPr>
-                <a:defRPr/>
-              </a:pPr>
-              <a:t>6</a:t>
-            </a:fld>
-            <a:endParaRPr lang="en-US" altLang="zh-CN"/>
-          </a:p>
-        </p:txBody>
-      </p:sp>
-    </p:spTree>
-    <p:extLst>
-      <p:ext uri="{BB962C8B-B14F-4D97-AF65-F5344CB8AC3E}">
-        <p14:creationId xmlns:p14="http://schemas.microsoft.com/office/powerpoint/2010/main" val="2489817545"/>
-      </p:ext>
-    </p:extLst>
-  </p:cSld>
-  <p:clrMapOvr>
-    <a:masterClrMapping/>
-  </p:clrMapOvr>
-  <p:transition>
-    <p:blinds dir="vert"/>
-  </p:transition>
 </p:sld>
 </file>
 
@@ -7355,10 +7355,6 @@
               </a:rPr>
               <a:t>回归测试</a:t>
             </a:r>
-            <a:endParaRPr lang="zh-CN" altLang="en-US" b="1" dirty="0" smtClean="0">
-              <a:latin typeface="黑体" pitchFamily="2" charset="-122"/>
-              <a:ea typeface="黑体" pitchFamily="2" charset="-122"/>
-            </a:endParaRPr>
           </a:p>
         </p:txBody>
       </p:sp>
@@ -7643,10 +7639,6 @@
               </a:rPr>
               <a:t>回归测试</a:t>
             </a:r>
-            <a:endParaRPr lang="zh-CN" altLang="en-US" b="1" dirty="0" smtClean="0">
-              <a:latin typeface="黑体" pitchFamily="2" charset="-122"/>
-              <a:ea typeface="黑体" pitchFamily="2" charset="-122"/>
-            </a:endParaRPr>
           </a:p>
         </p:txBody>
       </p:sp>

--- a/PPT/第三部分 软件测试应用/11.3 回归测试+冒烟测试.pptx
+++ b/PPT/第三部分 软件测试应用/11.3 回归测试+冒烟测试.pptx
@@ -5435,6 +5435,13 @@
     <a:masterClrMapping/>
   </p:clrMapOvr>
   <p:transition/>
+  <p:timing>
+    <p:tnLst>
+      <p:par>
+        <p:cTn id="1" dur="indefinite" restart="never" nodeType="tmRoot"/>
+      </p:par>
+    </p:tnLst>
+  </p:timing>
 </p:sld>
 </file>
 
@@ -6102,6 +6109,13 @@
   <p:transition>
     <p:blinds dir="vert"/>
   </p:transition>
+  <p:timing>
+    <p:tnLst>
+      <p:par>
+        <p:cTn id="1" dur="indefinite" restart="never" nodeType="tmRoot"/>
+      </p:par>
+    </p:tnLst>
+  </p:timing>
 </p:sld>
 </file>
 
@@ -6231,6 +6245,13 @@
   <p:transition>
     <p:blinds dir="vert"/>
   </p:transition>
+  <p:timing>
+    <p:tnLst>
+      <p:par>
+        <p:cTn id="1" dur="indefinite" restart="never" nodeType="tmRoot"/>
+      </p:par>
+    </p:tnLst>
+  </p:timing>
 </p:sld>
 </file>
 
@@ -6487,6 +6508,30 @@
               <a:rPr lang="zh-CN" sz="3400" b="1" dirty="0" smtClean="0"/>
               <a:t>，主要是对修改过的软件重新进行测试，以保证验证修改的正确性及其影响</a:t>
             </a:r>
+            <a:endParaRPr lang="en-US" altLang="zh-CN" sz="3400" b="1" dirty="0" smtClean="0"/>
+          </a:p>
+          <a:p>
+            <a:pPr eaLnBrk="1" hangingPunct="1"/>
+            <a:r>
+              <a:rPr lang="zh-CN" altLang="en-US" sz="3400" b="1" dirty="0" smtClean="0"/>
+              <a:t>主要使用自动化测试的手段来</a:t>
+            </a:r>
+            <a:r>
+              <a:rPr lang="zh-CN" altLang="en-US" sz="3400" b="1" dirty="0" smtClean="0"/>
+              <a:t>实现</a:t>
+            </a:r>
+            <a:r>
+              <a:rPr lang="en-US" altLang="zh-CN" sz="3400" b="1" dirty="0" smtClean="0"/>
+              <a:t>(</a:t>
+            </a:r>
+            <a:r>
+              <a:rPr lang="zh-CN" altLang="en-US" sz="3400" b="1" smtClean="0"/>
+              <a:t>持续性集成</a:t>
+            </a:r>
+            <a:r>
+              <a:rPr lang="en-US" altLang="zh-CN" sz="3400" b="1" smtClean="0"/>
+              <a:t>)</a:t>
+            </a:r>
             <a:endParaRPr lang="zh-CN" altLang="en-US" sz="3400" b="1" dirty="0" smtClean="0"/>
           </a:p>
         </p:txBody>
@@ -6502,6 +6547,13 @@
     <a:masterClrMapping/>
   </p:clrMapOvr>
   <p:transition/>
+  <p:timing>
+    <p:tnLst>
+      <p:par>
+        <p:cTn id="1" dur="indefinite" restart="never" nodeType="tmRoot"/>
+      </p:par>
+    </p:tnLst>
+  </p:timing>
 </p:sld>
 </file>
 
@@ -7159,6 +7211,13 @@
   <p:transition>
     <p:blinds dir="vert"/>
   </p:transition>
+  <p:timing>
+    <p:tnLst>
+      <p:par>
+        <p:cTn id="1" dur="indefinite" restart="never" nodeType="tmRoot"/>
+      </p:par>
+    </p:tnLst>
+  </p:timing>
 </p:sld>
 </file>
 
@@ -7443,6 +7502,13 @@
     <a:masterClrMapping/>
   </p:clrMapOvr>
   <p:transition/>
+  <p:timing>
+    <p:tnLst>
+      <p:par>
+        <p:cTn id="1" dur="indefinite" restart="never" nodeType="tmRoot"/>
+      </p:par>
+    </p:tnLst>
+  </p:timing>
 </p:sld>
 </file>
 
@@ -7697,6 +7763,13 @@
     <a:masterClrMapping/>
   </p:clrMapOvr>
   <p:transition/>
+  <p:timing>
+    <p:tnLst>
+      <p:par>
+        <p:cTn id="1" dur="indefinite" restart="never" nodeType="tmRoot"/>
+      </p:par>
+    </p:tnLst>
+  </p:timing>
 </p:sld>
 </file>
 
